--- a/www/docs/sdmay18-18 492 Panel Presentation.pptx
+++ b/www/docs/sdmay18-18 492 Panel Presentation.pptx
@@ -9372,7 +9372,7 @@
                   <a:srgbClr val="FFFFFF"/>
                 </a:solidFill>
               </a:rPr>
-              <a:t>Server: Automated API Testing Using Postman, Unit Testing for PID processing</a:t>
+              <a:t>Server: Automated API Testing Using Postman</a:t>
             </a:r>
             <a:endParaRPr>
               <a:solidFill>
